--- a/working/GUI/Image_v2/이미지제작용.pptx
+++ b/working/GUI/Image_v2/이미지제작용.pptx
@@ -295,7 +295,7 @@
             <a:fld id="{7D595595-67CC-4EE9-B07E-555436DFB3F3}" type="datetimeFigureOut">
               <a:rPr lang="ko-KR" altLang="en-US" smtClean="0"/>
               <a:pPr/>
-              <a:t>2021-08-11</a:t>
+              <a:t>2021-08-17</a:t>
             </a:fld>
             <a:endParaRPr lang="ko-KR" altLang="en-US"/>
           </a:p>
@@ -462,7 +462,7 @@
             <a:fld id="{7D595595-67CC-4EE9-B07E-555436DFB3F3}" type="datetimeFigureOut">
               <a:rPr lang="ko-KR" altLang="en-US" smtClean="0"/>
               <a:pPr/>
-              <a:t>2021-08-11</a:t>
+              <a:t>2021-08-17</a:t>
             </a:fld>
             <a:endParaRPr lang="ko-KR" altLang="en-US"/>
           </a:p>
@@ -639,7 +639,7 @@
             <a:fld id="{7D595595-67CC-4EE9-B07E-555436DFB3F3}" type="datetimeFigureOut">
               <a:rPr lang="ko-KR" altLang="en-US" smtClean="0"/>
               <a:pPr/>
-              <a:t>2021-08-11</a:t>
+              <a:t>2021-08-17</a:t>
             </a:fld>
             <a:endParaRPr lang="ko-KR" altLang="en-US"/>
           </a:p>
@@ -806,7 +806,7 @@
             <a:fld id="{7D595595-67CC-4EE9-B07E-555436DFB3F3}" type="datetimeFigureOut">
               <a:rPr lang="ko-KR" altLang="en-US" smtClean="0"/>
               <a:pPr/>
-              <a:t>2021-08-11</a:t>
+              <a:t>2021-08-17</a:t>
             </a:fld>
             <a:endParaRPr lang="ko-KR" altLang="en-US"/>
           </a:p>
@@ -1049,7 +1049,7 @@
             <a:fld id="{7D595595-67CC-4EE9-B07E-555436DFB3F3}" type="datetimeFigureOut">
               <a:rPr lang="ko-KR" altLang="en-US" smtClean="0"/>
               <a:pPr/>
-              <a:t>2021-08-11</a:t>
+              <a:t>2021-08-17</a:t>
             </a:fld>
             <a:endParaRPr lang="ko-KR" altLang="en-US"/>
           </a:p>
@@ -1334,7 +1334,7 @@
             <a:fld id="{7D595595-67CC-4EE9-B07E-555436DFB3F3}" type="datetimeFigureOut">
               <a:rPr lang="ko-KR" altLang="en-US" smtClean="0"/>
               <a:pPr/>
-              <a:t>2021-08-11</a:t>
+              <a:t>2021-08-17</a:t>
             </a:fld>
             <a:endParaRPr lang="ko-KR" altLang="en-US"/>
           </a:p>
@@ -1753,7 +1753,7 @@
             <a:fld id="{7D595595-67CC-4EE9-B07E-555436DFB3F3}" type="datetimeFigureOut">
               <a:rPr lang="ko-KR" altLang="en-US" smtClean="0"/>
               <a:pPr/>
-              <a:t>2021-08-11</a:t>
+              <a:t>2021-08-17</a:t>
             </a:fld>
             <a:endParaRPr lang="ko-KR" altLang="en-US"/>
           </a:p>
@@ -1868,7 +1868,7 @@
             <a:fld id="{7D595595-67CC-4EE9-B07E-555436DFB3F3}" type="datetimeFigureOut">
               <a:rPr lang="ko-KR" altLang="en-US" smtClean="0"/>
               <a:pPr/>
-              <a:t>2021-08-11</a:t>
+              <a:t>2021-08-17</a:t>
             </a:fld>
             <a:endParaRPr lang="ko-KR" altLang="en-US"/>
           </a:p>
@@ -1960,7 +1960,7 @@
             <a:fld id="{7D595595-67CC-4EE9-B07E-555436DFB3F3}" type="datetimeFigureOut">
               <a:rPr lang="ko-KR" altLang="en-US" smtClean="0"/>
               <a:pPr/>
-              <a:t>2021-08-11</a:t>
+              <a:t>2021-08-17</a:t>
             </a:fld>
             <a:endParaRPr lang="ko-KR" altLang="en-US"/>
           </a:p>
@@ -2234,7 +2234,7 @@
             <a:fld id="{7D595595-67CC-4EE9-B07E-555436DFB3F3}" type="datetimeFigureOut">
               <a:rPr lang="ko-KR" altLang="en-US" smtClean="0"/>
               <a:pPr/>
-              <a:t>2021-08-11</a:t>
+              <a:t>2021-08-17</a:t>
             </a:fld>
             <a:endParaRPr lang="ko-KR" altLang="en-US"/>
           </a:p>
@@ -2484,7 +2484,7 @@
             <a:fld id="{7D595595-67CC-4EE9-B07E-555436DFB3F3}" type="datetimeFigureOut">
               <a:rPr lang="ko-KR" altLang="en-US" smtClean="0"/>
               <a:pPr/>
-              <a:t>2021-08-11</a:t>
+              <a:t>2021-08-17</a:t>
             </a:fld>
             <a:endParaRPr lang="ko-KR" altLang="en-US"/>
           </a:p>
@@ -2694,7 +2694,7 @@
             <a:fld id="{7D595595-67CC-4EE9-B07E-555436DFB3F3}" type="datetimeFigureOut">
               <a:rPr lang="ko-KR" altLang="en-US" smtClean="0"/>
               <a:pPr/>
-              <a:t>2021-08-11</a:t>
+              <a:t>2021-08-17</a:t>
             </a:fld>
             <a:endParaRPr lang="ko-KR" altLang="en-US"/>
           </a:p>
@@ -3289,6 +3289,32 @@
           </a:p>
         </p:txBody>
       </p:sp>
+      <p:pic>
+        <p:nvPicPr>
+          <p:cNvPr id="2" name="Picture 2" descr="C:\Users\user\PycharmProjects\working\GUI\Image_v2\모션제어_checked.png"/>
+          <p:cNvPicPr>
+            <a:picLocks noChangeAspect="1" noChangeArrowheads="1"/>
+          </p:cNvPicPr>
+          <p:nvPr/>
+        </p:nvPicPr>
+        <p:blipFill>
+          <a:blip r:embed="rId5"/>
+          <a:srcRect/>
+          <a:stretch>
+            <a:fillRect/>
+          </a:stretch>
+        </p:blipFill>
+        <p:spPr bwMode="auto">
+          <a:xfrm>
+            <a:off x="7493000" y="2978150"/>
+            <a:ext cx="1371600" cy="573088"/>
+          </a:xfrm>
+          <a:prstGeom prst="rect">
+            <a:avLst/>
+          </a:prstGeom>
+          <a:noFill/>
+        </p:spPr>
+      </p:pic>
     </p:spTree>
   </p:cSld>
   <p:clrMapOvr>
@@ -4428,10 +4454,166 @@
           <a:bodyPr/>
           <a:lstStyle/>
           <a:p>
-            <a:endParaRPr lang="ko-KR" altLang="en-US"/>
-          </a:p>
-        </p:txBody>
-      </p:sp>
+            <a:endParaRPr lang="ko-KR" altLang="en-US" dirty="0"/>
+          </a:p>
+        </p:txBody>
+      </p:sp>
+      <p:pic>
+        <p:nvPicPr>
+          <p:cNvPr id="2050" name="Picture 2" descr="C:\Users\user\PycharmProjects\working\GUI\Image_v2\모션제어.png"/>
+          <p:cNvPicPr>
+            <a:picLocks noChangeAspect="1" noChangeArrowheads="1"/>
+          </p:cNvPicPr>
+          <p:nvPr/>
+        </p:nvPicPr>
+        <p:blipFill>
+          <a:blip r:embed="rId2"/>
+          <a:srcRect/>
+          <a:stretch>
+            <a:fillRect/>
+          </a:stretch>
+        </p:blipFill>
+        <p:spPr bwMode="auto">
+          <a:xfrm>
+            <a:off x="1714480" y="2714620"/>
+            <a:ext cx="1371600" cy="573088"/>
+          </a:xfrm>
+          <a:prstGeom prst="rect">
+            <a:avLst/>
+          </a:prstGeom>
+          <a:noFill/>
+        </p:spPr>
+      </p:pic>
+      <p:pic>
+        <p:nvPicPr>
+          <p:cNvPr id="2051" name="Picture 3" descr="C:\Users\user\PycharmProjects\working\GUI\Image_v2\터치제어.png"/>
+          <p:cNvPicPr>
+            <a:picLocks noChangeAspect="1" noChangeArrowheads="1"/>
+          </p:cNvPicPr>
+          <p:nvPr/>
+        </p:nvPicPr>
+        <p:blipFill>
+          <a:blip r:embed="rId3"/>
+          <a:srcRect/>
+          <a:stretch>
+            <a:fillRect/>
+          </a:stretch>
+        </p:blipFill>
+        <p:spPr bwMode="auto">
+          <a:xfrm>
+            <a:off x="1714480" y="2714620"/>
+            <a:ext cx="1371600" cy="573088"/>
+          </a:xfrm>
+          <a:prstGeom prst="rect">
+            <a:avLst/>
+          </a:prstGeom>
+          <a:noFill/>
+        </p:spPr>
+      </p:pic>
+      <p:pic>
+        <p:nvPicPr>
+          <p:cNvPr id="2052" name="Picture 4" descr="C:\Users\user\PycharmProjects\working\GUI\Image_v2\모션제어.png"/>
+          <p:cNvPicPr>
+            <a:picLocks noChangeAspect="1" noChangeArrowheads="1"/>
+          </p:cNvPicPr>
+          <p:nvPr/>
+        </p:nvPicPr>
+        <p:blipFill>
+          <a:blip r:embed="rId2"/>
+          <a:srcRect/>
+          <a:stretch>
+            <a:fillRect/>
+          </a:stretch>
+        </p:blipFill>
+        <p:spPr bwMode="auto">
+          <a:xfrm>
+            <a:off x="3286116" y="2714620"/>
+            <a:ext cx="1371600" cy="573088"/>
+          </a:xfrm>
+          <a:prstGeom prst="rect">
+            <a:avLst/>
+          </a:prstGeom>
+          <a:noFill/>
+        </p:spPr>
+      </p:pic>
+      <p:pic>
+        <p:nvPicPr>
+          <p:cNvPr id="2053" name="Picture 5" descr="C:\Users\user\PycharmProjects\working\GUI\Image_v2\qmark.png"/>
+          <p:cNvPicPr>
+            <a:picLocks noChangeAspect="1" noChangeArrowheads="1"/>
+          </p:cNvPicPr>
+          <p:nvPr/>
+        </p:nvPicPr>
+        <p:blipFill>
+          <a:blip r:embed="rId4"/>
+          <a:srcRect/>
+          <a:stretch>
+            <a:fillRect/>
+          </a:stretch>
+        </p:blipFill>
+        <p:spPr bwMode="auto">
+          <a:xfrm>
+            <a:off x="1785918" y="4143380"/>
+            <a:ext cx="896938" cy="901700"/>
+          </a:xfrm>
+          <a:prstGeom prst="rect">
+            <a:avLst/>
+          </a:prstGeom>
+          <a:noFill/>
+        </p:spPr>
+      </p:pic>
+      <p:pic>
+        <p:nvPicPr>
+          <p:cNvPr id="2054" name="Picture 6" descr="C:\Users\user\PycharmProjects\working\GUI\Image_v2\refresh.png"/>
+          <p:cNvPicPr>
+            <a:picLocks noChangeAspect="1" noChangeArrowheads="1"/>
+          </p:cNvPicPr>
+          <p:nvPr/>
+        </p:nvPicPr>
+        <p:blipFill>
+          <a:blip r:embed="rId5"/>
+          <a:srcRect/>
+          <a:stretch>
+            <a:fillRect/>
+          </a:stretch>
+        </p:blipFill>
+        <p:spPr bwMode="auto">
+          <a:xfrm>
+            <a:off x="2857488" y="4143380"/>
+            <a:ext cx="901700" cy="901700"/>
+          </a:xfrm>
+          <a:prstGeom prst="rect">
+            <a:avLst/>
+          </a:prstGeom>
+          <a:noFill/>
+        </p:spPr>
+      </p:pic>
+      <p:pic>
+        <p:nvPicPr>
+          <p:cNvPr id="2055" name="Picture 7" descr="C:\Users\user\PycharmProjects\working\GUI\Image_v2\power.png"/>
+          <p:cNvPicPr>
+            <a:picLocks noChangeAspect="1" noChangeArrowheads="1"/>
+          </p:cNvPicPr>
+          <p:nvPr/>
+        </p:nvPicPr>
+        <p:blipFill>
+          <a:blip r:embed="rId6"/>
+          <a:srcRect/>
+          <a:stretch>
+            <a:fillRect/>
+          </a:stretch>
+        </p:blipFill>
+        <p:spPr bwMode="auto">
+          <a:xfrm>
+            <a:off x="5857884" y="3500438"/>
+            <a:ext cx="1798638" cy="1798638"/>
+          </a:xfrm>
+          <a:prstGeom prst="rect">
+            <a:avLst/>
+          </a:prstGeom>
+          <a:noFill/>
+        </p:spPr>
+      </p:pic>
     </p:spTree>
   </p:cSld>
   <p:clrMapOvr>
